--- a/doc/final_report.pptx
+++ b/doc/final_report.pptx
@@ -204,7 +204,7 @@
           <a:p>
             <a:fld id="{CAA21513-3651-42FC-A54A-E945017D068C}" type="datetimeFigureOut">
               <a:rPr lang="zh-CN" altLang="en-US" smtClean="0"/>
-              <a:t>2017/6/5</a:t>
+              <a:t>2017/6/7</a:t>
             </a:fld>
             <a:endParaRPr lang="zh-CN" altLang="en-US"/>
           </a:p>
@@ -1029,7 +1029,7 @@
           <a:p>
             <a:fld id="{4AF4FEE9-EE49-449A-B0DF-70AE80CE16AD}" type="datetimeFigureOut">
               <a:rPr lang="zh-CN" altLang="en-US" smtClean="0"/>
-              <a:t>2017/6/5</a:t>
+              <a:t>2017/6/7</a:t>
             </a:fld>
             <a:endParaRPr lang="zh-CN" altLang="en-US"/>
           </a:p>
@@ -1199,7 +1199,7 @@
           <a:p>
             <a:fld id="{4AF4FEE9-EE49-449A-B0DF-70AE80CE16AD}" type="datetimeFigureOut">
               <a:rPr lang="zh-CN" altLang="en-US" smtClean="0"/>
-              <a:t>2017/6/5</a:t>
+              <a:t>2017/6/7</a:t>
             </a:fld>
             <a:endParaRPr lang="zh-CN" altLang="en-US"/>
           </a:p>
@@ -1379,7 +1379,7 @@
           <a:p>
             <a:fld id="{4AF4FEE9-EE49-449A-B0DF-70AE80CE16AD}" type="datetimeFigureOut">
               <a:rPr lang="zh-CN" altLang="en-US" smtClean="0"/>
-              <a:t>2017/6/5</a:t>
+              <a:t>2017/6/7</a:t>
             </a:fld>
             <a:endParaRPr lang="zh-CN" altLang="en-US"/>
           </a:p>
@@ -1549,7 +1549,7 @@
           <a:p>
             <a:fld id="{4AF4FEE9-EE49-449A-B0DF-70AE80CE16AD}" type="datetimeFigureOut">
               <a:rPr lang="zh-CN" altLang="en-US" smtClean="0"/>
-              <a:t>2017/6/5</a:t>
+              <a:t>2017/6/7</a:t>
             </a:fld>
             <a:endParaRPr lang="zh-CN" altLang="en-US"/>
           </a:p>
@@ -1793,7 +1793,7 @@
           <a:p>
             <a:fld id="{4AF4FEE9-EE49-449A-B0DF-70AE80CE16AD}" type="datetimeFigureOut">
               <a:rPr lang="zh-CN" altLang="en-US" smtClean="0"/>
-              <a:t>2017/6/5</a:t>
+              <a:t>2017/6/7</a:t>
             </a:fld>
             <a:endParaRPr lang="zh-CN" altLang="en-US"/>
           </a:p>
@@ -2025,7 +2025,7 @@
           <a:p>
             <a:fld id="{4AF4FEE9-EE49-449A-B0DF-70AE80CE16AD}" type="datetimeFigureOut">
               <a:rPr lang="zh-CN" altLang="en-US" smtClean="0"/>
-              <a:t>2017/6/5</a:t>
+              <a:t>2017/6/7</a:t>
             </a:fld>
             <a:endParaRPr lang="zh-CN" altLang="en-US"/>
           </a:p>
@@ -2392,7 +2392,7 @@
           <a:p>
             <a:fld id="{4AF4FEE9-EE49-449A-B0DF-70AE80CE16AD}" type="datetimeFigureOut">
               <a:rPr lang="zh-CN" altLang="en-US" smtClean="0"/>
-              <a:t>2017/6/5</a:t>
+              <a:t>2017/6/7</a:t>
             </a:fld>
             <a:endParaRPr lang="zh-CN" altLang="en-US"/>
           </a:p>
@@ -2510,7 +2510,7 @@
           <a:p>
             <a:fld id="{4AF4FEE9-EE49-449A-B0DF-70AE80CE16AD}" type="datetimeFigureOut">
               <a:rPr lang="zh-CN" altLang="en-US" smtClean="0"/>
-              <a:t>2017/6/5</a:t>
+              <a:t>2017/6/7</a:t>
             </a:fld>
             <a:endParaRPr lang="zh-CN" altLang="en-US"/>
           </a:p>
@@ -2605,7 +2605,7 @@
           <a:p>
             <a:fld id="{4AF4FEE9-EE49-449A-B0DF-70AE80CE16AD}" type="datetimeFigureOut">
               <a:rPr lang="zh-CN" altLang="en-US" smtClean="0"/>
-              <a:t>2017/6/5</a:t>
+              <a:t>2017/6/7</a:t>
             </a:fld>
             <a:endParaRPr lang="zh-CN" altLang="en-US"/>
           </a:p>
@@ -2882,7 +2882,7 @@
           <a:p>
             <a:fld id="{4AF4FEE9-EE49-449A-B0DF-70AE80CE16AD}" type="datetimeFigureOut">
               <a:rPr lang="zh-CN" altLang="en-US" smtClean="0"/>
-              <a:t>2017/6/5</a:t>
+              <a:t>2017/6/7</a:t>
             </a:fld>
             <a:endParaRPr lang="zh-CN" altLang="en-US"/>
           </a:p>
@@ -3139,7 +3139,7 @@
           <a:p>
             <a:fld id="{4AF4FEE9-EE49-449A-B0DF-70AE80CE16AD}" type="datetimeFigureOut">
               <a:rPr lang="zh-CN" altLang="en-US" smtClean="0"/>
-              <a:t>2017/6/5</a:t>
+              <a:t>2017/6/7</a:t>
             </a:fld>
             <a:endParaRPr lang="zh-CN" altLang="en-US"/>
           </a:p>
@@ -3352,7 +3352,7 @@
           <a:p>
             <a:fld id="{4AF4FEE9-EE49-449A-B0DF-70AE80CE16AD}" type="datetimeFigureOut">
               <a:rPr lang="zh-CN" altLang="en-US" smtClean="0"/>
-              <a:t>2017/6/5</a:t>
+              <a:t>2017/6/7</a:t>
             </a:fld>
             <a:endParaRPr lang="zh-CN" altLang="en-US"/>
           </a:p>
@@ -3945,11 +3945,7 @@
             </a:r>
             <a:r>
               <a:rPr lang="zh-CN" altLang="en-US" dirty="0" smtClean="0"/>
-              <a:t>代码拷贝，再添加内容</a:t>
-            </a:r>
-            <a:r>
-              <a:rPr lang="zh-CN" altLang="en-US" dirty="0" smtClean="0"/>
-              <a:t>。</a:t>
+              <a:t>代码拷贝，再添加内容。</a:t>
             </a:r>
             <a:endParaRPr lang="en-US" altLang="zh-CN" dirty="0" smtClean="0"/>
           </a:p>
@@ -4254,14 +4250,14 @@
             <p:ph idx="1"/>
             <p:extLst>
               <p:ext uri="{D42A27DB-BD31-4B8C-83A1-F6EECF244321}">
-                <p14:modId xmlns:p14="http://schemas.microsoft.com/office/powerpoint/2010/main" val="3271886627"/>
+                <p14:modId xmlns:p14="http://schemas.microsoft.com/office/powerpoint/2010/main" val="1456783894"/>
               </p:ext>
             </p:extLst>
           </p:nvPr>
         </p:nvGraphicFramePr>
         <p:xfrm>
-          <a:off x="628650" y="1180735"/>
-          <a:ext cx="7886700" cy="3474720"/>
+          <a:off x="628650" y="1180737"/>
+          <a:ext cx="7886700" cy="4920861"/>
         </p:xfrm>
         <a:graphic>
           <a:graphicData uri="http://schemas.openxmlformats.org/drawingml/2006/table">
@@ -4292,7 +4288,7 @@
                   </a:extLst>
                 </a:gridCol>
               </a:tblGrid>
-              <a:tr h="370840">
+              <a:tr h="456937">
                 <a:tc>
                   <a:txBody>
                     <a:bodyPr/>
@@ -4341,7 +4337,7 @@
                   </a:ext>
                 </a:extLst>
               </a:tr>
-              <a:tr h="370840">
+              <a:tr h="456937">
                 <a:tc>
                   <a:txBody>
                     <a:bodyPr/>
@@ -4415,7 +4411,7 @@
                   </a:ext>
                 </a:extLst>
               </a:tr>
-              <a:tr h="370840">
+              <a:tr h="456937">
                 <a:tc>
                   <a:txBody>
                     <a:bodyPr/>
@@ -4464,7 +4460,7 @@
                   </a:ext>
                 </a:extLst>
               </a:tr>
-              <a:tr h="370840">
+              <a:tr h="808428">
                 <a:tc>
                   <a:txBody>
                     <a:bodyPr/>
@@ -4508,11 +4504,7 @@
                       </a:r>
                       <a:r>
                         <a:rPr lang="zh-CN" altLang="en-US" sz="2000" dirty="0" smtClean="0"/>
-                        <a:t>页面的</a:t>
-                      </a:r>
-                      <a:r>
-                        <a:rPr lang="zh-CN" altLang="en-US" sz="2000" dirty="0" smtClean="0"/>
-                        <a:t>相对地址</a:t>
+                        <a:t>页面的相对地址</a:t>
                       </a:r>
                       <a:endParaRPr lang="en-US" altLang="zh-CN" sz="2000" dirty="0" smtClean="0"/>
                     </a:p>
@@ -4532,7 +4524,107 @@
                   </a:ext>
                 </a:extLst>
               </a:tr>
-              <a:tr h="370840">
+              <a:tr h="456937">
+                <a:tc>
+                  <a:txBody>
+                    <a:bodyPr/>
+                    <a:lstStyle/>
+                    <a:p>
+                      <a:r>
+                        <a:rPr lang="en-US" altLang="zh-CN" sz="1600" dirty="0" err="1" smtClean="0"/>
+                        <a:t>SearchResult</a:t>
+                      </a:r>
+                      <a:endParaRPr lang="zh-CN" altLang="en-US" sz="1600" dirty="0"/>
+                    </a:p>
+                  </a:txBody>
+                  <a:tcPr/>
+                </a:tc>
+                <a:tc>
+                  <a:txBody>
+                    <a:bodyPr/>
+                    <a:lstStyle/>
+                    <a:p>
+                      <a:r>
+                        <a:rPr lang="en-US" altLang="zh-CN" sz="1600" dirty="0" smtClean="0"/>
+                        <a:t>List&lt;Books&gt;</a:t>
+                      </a:r>
+                    </a:p>
+                  </a:txBody>
+                  <a:tcPr/>
+                </a:tc>
+                <a:tc>
+                  <a:txBody>
+                    <a:bodyPr/>
+                    <a:lstStyle/>
+                    <a:p>
+                      <a:r>
+                        <a:rPr lang="zh-CN" altLang="en-US" sz="2000" dirty="0" smtClean="0"/>
+                        <a:t>搜索结果信息</a:t>
+                      </a:r>
+                      <a:endParaRPr lang="zh-CN" altLang="en-US" sz="2000" dirty="0"/>
+                    </a:p>
+                  </a:txBody>
+                  <a:tcPr/>
+                </a:tc>
+                <a:extLst>
+                  <a:ext uri="{0D108BD9-81ED-4DB2-BD59-A6C34878D82A}">
+                    <a16:rowId xmlns:a16="http://schemas.microsoft.com/office/drawing/2014/main" val="11494430"/>
+                  </a:ext>
+                </a:extLst>
+              </a:tr>
+              <a:tr h="456937">
+                <a:tc>
+                  <a:txBody>
+                    <a:bodyPr/>
+                    <a:lstStyle/>
+                    <a:p>
+                      <a:r>
+                        <a:rPr lang="en-US" altLang="zh-CN" sz="1600" dirty="0" err="1" smtClean="0"/>
+                        <a:t>SearchNum</a:t>
+                      </a:r>
+                      <a:endParaRPr lang="zh-CN" altLang="en-US" sz="1600" dirty="0"/>
+                    </a:p>
+                  </a:txBody>
+                  <a:tcPr/>
+                </a:tc>
+                <a:tc>
+                  <a:txBody>
+                    <a:bodyPr/>
+                    <a:lstStyle/>
+                    <a:p>
+                      <a:r>
+                        <a:rPr lang="en-US" altLang="zh-CN" sz="1600" dirty="0" err="1" smtClean="0"/>
+                        <a:t>Int</a:t>
+                      </a:r>
+                      <a:r>
+                        <a:rPr lang="en-US" altLang="zh-CN" sz="1600" dirty="0" smtClean="0"/>
+                        <a:t>[]</a:t>
+                      </a:r>
+                    </a:p>
+                  </a:txBody>
+                  <a:tcPr/>
+                </a:tc>
+                <a:tc>
+                  <a:txBody>
+                    <a:bodyPr/>
+                    <a:lstStyle/>
+                    <a:p>
+                      <a:r>
+                        <a:rPr lang="zh-CN" altLang="en-US" sz="2000" smtClean="0"/>
+                        <a:t>存储提交过的购买数量</a:t>
+                      </a:r>
+                      <a:endParaRPr lang="zh-CN" altLang="en-US" sz="2000" dirty="0"/>
+                    </a:p>
+                  </a:txBody>
+                  <a:tcPr/>
+                </a:tc>
+                <a:extLst>
+                  <a:ext uri="{0D108BD9-81ED-4DB2-BD59-A6C34878D82A}">
+                    <a16:rowId xmlns:a16="http://schemas.microsoft.com/office/drawing/2014/main" val="2564591154"/>
+                  </a:ext>
+                </a:extLst>
+              </a:tr>
+              <a:tr h="456937">
                 <a:tc>
                   <a:txBody>
                     <a:bodyPr/>
@@ -4581,7 +4673,7 @@
                   </a:ext>
                 </a:extLst>
               </a:tr>
-              <a:tr h="370840">
+              <a:tr h="456937">
                 <a:tc>
                   <a:txBody>
                     <a:bodyPr/>
@@ -4646,7 +4738,7 @@
                   </a:ext>
                 </a:extLst>
               </a:tr>
-              <a:tr h="370840">
+              <a:tr h="456937">
                 <a:tc>
                   <a:txBody>
                     <a:bodyPr/>
@@ -4707,7 +4799,7 @@
                   </a:ext>
                 </a:extLst>
               </a:tr>
-              <a:tr h="370840">
+              <a:tr h="456937">
                 <a:tc>
                   <a:txBody>
                     <a:bodyPr/>
@@ -5038,11 +5130,7 @@
           <a:p>
             <a:r>
               <a:rPr lang="zh-CN" altLang="en-US" dirty="0" smtClean="0"/>
-              <a:t>购物车</a:t>
-            </a:r>
-            <a:r>
-              <a:rPr lang="zh-CN" altLang="en-US" dirty="0" smtClean="0"/>
-              <a:t>会话</a:t>
+              <a:t>购物车会话</a:t>
             </a:r>
             <a:r>
               <a:rPr lang="en-US" altLang="zh-CN" smtClean="0"/>
